--- a/semina report/eniac_project_files/G&T_발표PPT_3주차.pptx
+++ b/semina report/eniac_project_files/G&T_발표PPT_3주차.pptx
@@ -117,7 +117,7 @@
 <file path=ppt/revisionInfo.xml><?xml version="1.0" encoding="utf-8"?>
 <p1510:revInfo xmlns:a="http://schemas.openxmlformats.org/drawingml/2006/main" xmlns:r="http://schemas.openxmlformats.org/officeDocument/2006/relationships" xmlns:p1510="http://schemas.microsoft.com/office/powerpoint/2015/10/main">
   <p1510:revLst>
-    <p1510:client id="{D6F6BE6F-1C3C-44E7-84C0-D1BC5332BF44}" v="73" dt="2019-06-02T11:16:55.397"/>
+    <p1510:client id="{D6F6BE6F-1C3C-44E7-84C0-D1BC5332BF44}" v="74" dt="2019-06-06T15:29:32.302"/>
   </p1510:revLst>
 </p1510:revInfo>
 </file>
@@ -222,18 +222,18 @@
   <pc:docChgLst>
     <pc:chgData name="Ryein Kim" userId="dfeadb9f706589c6" providerId="LiveId" clId="{D6F6BE6F-1C3C-44E7-84C0-D1BC5332BF44}"/>
     <pc:docChg chg="undo addSld delSld modSld">
-      <pc:chgData name="Ryein Kim" userId="dfeadb9f706589c6" providerId="LiveId" clId="{D6F6BE6F-1C3C-44E7-84C0-D1BC5332BF44}" dt="2019-06-03T05:51:50.301" v="859" actId="20577"/>
+      <pc:chgData name="Ryein Kim" userId="dfeadb9f706589c6" providerId="LiveId" clId="{D6F6BE6F-1C3C-44E7-84C0-D1BC5332BF44}" dt="2019-06-06T15:29:34.803" v="862" actId="1076"/>
       <pc:docMkLst>
         <pc:docMk/>
       </pc:docMkLst>
       <pc:sldChg chg="modSp">
-        <pc:chgData name="Ryein Kim" userId="dfeadb9f706589c6" providerId="LiveId" clId="{D6F6BE6F-1C3C-44E7-84C0-D1BC5332BF44}" dt="2019-06-03T05:51:50.301" v="859" actId="20577"/>
+        <pc:chgData name="Ryein Kim" userId="dfeadb9f706589c6" providerId="LiveId" clId="{D6F6BE6F-1C3C-44E7-84C0-D1BC5332BF44}" dt="2019-06-06T15:29:34.803" v="862" actId="1076"/>
         <pc:sldMkLst>
           <pc:docMk/>
           <pc:sldMk cId="2767237986" sldId="257"/>
         </pc:sldMkLst>
         <pc:spChg chg="mod">
-          <ac:chgData name="Ryein Kim" userId="dfeadb9f706589c6" providerId="LiveId" clId="{D6F6BE6F-1C3C-44E7-84C0-D1BC5332BF44}" dt="2019-06-03T05:51:50.301" v="859" actId="20577"/>
+          <ac:chgData name="Ryein Kim" userId="dfeadb9f706589c6" providerId="LiveId" clId="{D6F6BE6F-1C3C-44E7-84C0-D1BC5332BF44}" dt="2019-06-06T15:29:34.803" v="862" actId="1076"/>
           <ac:spMkLst>
             <pc:docMk/>
             <pc:sldMk cId="2767237986" sldId="257"/>
@@ -248,20 +248,6 @@
             <ac:picMk id="8" creationId="{1EFBAB29-B4C5-48F7-A44C-FBF204689CCD}"/>
           </ac:picMkLst>
         </pc:picChg>
-      </pc:sldChg>
-      <pc:sldChg chg="add del">
-        <pc:chgData name="Ryein Kim" userId="dfeadb9f706589c6" providerId="LiveId" clId="{D6F6BE6F-1C3C-44E7-84C0-D1BC5332BF44}" dt="2019-06-02T11:10:49.077" v="520"/>
-        <pc:sldMkLst>
-          <pc:docMk/>
-          <pc:sldMk cId="1383139688" sldId="258"/>
-        </pc:sldMkLst>
-      </pc:sldChg>
-      <pc:sldChg chg="del">
-        <pc:chgData name="Ryein Kim" userId="dfeadb9f706589c6" providerId="LiveId" clId="{D6F6BE6F-1C3C-44E7-84C0-D1BC5332BF44}" dt="2019-06-02T11:10:35.545" v="517" actId="2696"/>
-        <pc:sldMkLst>
-          <pc:docMk/>
-          <pc:sldMk cId="3331035338" sldId="258"/>
-        </pc:sldMkLst>
       </pc:sldChg>
       <pc:sldChg chg="modSp add del">
         <pc:chgData name="Ryein Kim" userId="dfeadb9f706589c6" providerId="LiveId" clId="{D6F6BE6F-1C3C-44E7-84C0-D1BC5332BF44}" dt="2019-06-02T11:16:55.399" v="858" actId="20577"/>
@@ -482,7 +468,7 @@
           <a:p>
             <a:fld id="{B98807D1-4116-499B-9359-5944853DC4E1}" type="datetimeFigureOut">
               <a:rPr lang="ko-KR" altLang="en-US" smtClean="0"/>
-              <a:t>2019-06-03</a:t>
+              <a:t>2019-06-07</a:t>
             </a:fld>
             <a:endParaRPr lang="ko-KR" altLang="en-US"/>
           </a:p>
@@ -918,7 +904,7 @@
           <a:p>
             <a:fld id="{B98807D1-4116-499B-9359-5944853DC4E1}" type="datetimeFigureOut">
               <a:rPr lang="ko-KR" altLang="en-US" smtClean="0"/>
-              <a:t>2019-06-03</a:t>
+              <a:t>2019-06-07</a:t>
             </a:fld>
             <a:endParaRPr lang="ko-KR" altLang="en-US"/>
           </a:p>
@@ -1168,7 +1154,7 @@
           <a:p>
             <a:fld id="{B98807D1-4116-499B-9359-5944853DC4E1}" type="datetimeFigureOut">
               <a:rPr lang="ko-KR" altLang="en-US" smtClean="0"/>
-              <a:t>2019-06-03</a:t>
+              <a:t>2019-06-07</a:t>
             </a:fld>
             <a:endParaRPr lang="ko-KR" altLang="en-US"/>
           </a:p>
@@ -1476,7 +1462,7 @@
           <a:p>
             <a:fld id="{B98807D1-4116-499B-9359-5944853DC4E1}" type="datetimeFigureOut">
               <a:rPr lang="ko-KR" altLang="en-US" smtClean="0"/>
-              <a:t>2019-06-03</a:t>
+              <a:t>2019-06-07</a:t>
             </a:fld>
             <a:endParaRPr lang="ko-KR" altLang="en-US"/>
           </a:p>
@@ -1794,7 +1780,7 @@
           <a:p>
             <a:fld id="{B98807D1-4116-499B-9359-5944853DC4E1}" type="datetimeFigureOut">
               <a:rPr lang="ko-KR" altLang="en-US" smtClean="0"/>
-              <a:t>2019-06-03</a:t>
+              <a:t>2019-06-07</a:t>
             </a:fld>
             <a:endParaRPr lang="ko-KR" altLang="en-US"/>
           </a:p>
@@ -2096,7 +2082,7 @@
           <a:p>
             <a:fld id="{B98807D1-4116-499B-9359-5944853DC4E1}" type="datetimeFigureOut">
               <a:rPr lang="ko-KR" altLang="en-US" smtClean="0"/>
-              <a:t>2019-06-03</a:t>
+              <a:t>2019-06-07</a:t>
             </a:fld>
             <a:endParaRPr lang="ko-KR" altLang="en-US"/>
           </a:p>
@@ -2463,7 +2449,7 @@
           <a:p>
             <a:fld id="{B98807D1-4116-499B-9359-5944853DC4E1}" type="datetimeFigureOut">
               <a:rPr lang="ko-KR" altLang="en-US" smtClean="0"/>
-              <a:t>2019-06-03</a:t>
+              <a:t>2019-06-07</a:t>
             </a:fld>
             <a:endParaRPr lang="ko-KR" altLang="en-US"/>
           </a:p>
@@ -2637,7 +2623,7 @@
           <a:p>
             <a:fld id="{B98807D1-4116-499B-9359-5944853DC4E1}" type="datetimeFigureOut">
               <a:rPr lang="ko-KR" altLang="en-US" smtClean="0"/>
-              <a:t>2019-06-03</a:t>
+              <a:t>2019-06-07</a:t>
             </a:fld>
             <a:endParaRPr lang="ko-KR" altLang="en-US"/>
           </a:p>
@@ -2817,7 +2803,7 @@
           <a:p>
             <a:fld id="{B98807D1-4116-499B-9359-5944853DC4E1}" type="datetimeFigureOut">
               <a:rPr lang="ko-KR" altLang="en-US" smtClean="0"/>
-              <a:t>2019-06-03</a:t>
+              <a:t>2019-06-07</a:t>
             </a:fld>
             <a:endParaRPr lang="ko-KR" altLang="en-US"/>
           </a:p>
@@ -2987,7 +2973,7 @@
           <a:p>
             <a:fld id="{B98807D1-4116-499B-9359-5944853DC4E1}" type="datetimeFigureOut">
               <a:rPr lang="ko-KR" altLang="en-US" smtClean="0"/>
-              <a:t>2019-06-03</a:t>
+              <a:t>2019-06-07</a:t>
             </a:fld>
             <a:endParaRPr lang="ko-KR" altLang="en-US"/>
           </a:p>
@@ -3237,7 +3223,7 @@
           <a:p>
             <a:fld id="{B98807D1-4116-499B-9359-5944853DC4E1}" type="datetimeFigureOut">
               <a:rPr lang="ko-KR" altLang="en-US" smtClean="0"/>
-              <a:t>2019-06-03</a:t>
+              <a:t>2019-06-07</a:t>
             </a:fld>
             <a:endParaRPr lang="ko-KR" altLang="en-US"/>
           </a:p>
@@ -3473,7 +3459,7 @@
           <a:p>
             <a:fld id="{B98807D1-4116-499B-9359-5944853DC4E1}" type="datetimeFigureOut">
               <a:rPr lang="ko-KR" altLang="en-US" smtClean="0"/>
-              <a:t>2019-06-03</a:t>
+              <a:t>2019-06-07</a:t>
             </a:fld>
             <a:endParaRPr lang="ko-KR" altLang="en-US"/>
           </a:p>
@@ -3855,7 +3841,7 @@
           <a:p>
             <a:fld id="{B98807D1-4116-499B-9359-5944853DC4E1}" type="datetimeFigureOut">
               <a:rPr lang="ko-KR" altLang="en-US" smtClean="0"/>
-              <a:t>2019-06-03</a:t>
+              <a:t>2019-06-07</a:t>
             </a:fld>
             <a:endParaRPr lang="ko-KR" altLang="en-US"/>
           </a:p>
@@ -3973,7 +3959,7 @@
           <a:p>
             <a:fld id="{B98807D1-4116-499B-9359-5944853DC4E1}" type="datetimeFigureOut">
               <a:rPr lang="ko-KR" altLang="en-US" smtClean="0"/>
-              <a:t>2019-06-03</a:t>
+              <a:t>2019-06-07</a:t>
             </a:fld>
             <a:endParaRPr lang="ko-KR" altLang="en-US"/>
           </a:p>
@@ -4068,7 +4054,7 @@
           <a:p>
             <a:fld id="{B98807D1-4116-499B-9359-5944853DC4E1}" type="datetimeFigureOut">
               <a:rPr lang="ko-KR" altLang="en-US" smtClean="0"/>
-              <a:t>2019-06-03</a:t>
+              <a:t>2019-06-07</a:t>
             </a:fld>
             <a:endParaRPr lang="ko-KR" altLang="en-US"/>
           </a:p>
@@ -4323,7 +4309,7 @@
           <a:p>
             <a:fld id="{B98807D1-4116-499B-9359-5944853DC4E1}" type="datetimeFigureOut">
               <a:rPr lang="ko-KR" altLang="en-US" smtClean="0"/>
-              <a:t>2019-06-03</a:t>
+              <a:t>2019-06-07</a:t>
             </a:fld>
             <a:endParaRPr lang="ko-KR" altLang="en-US"/>
           </a:p>
@@ -4606,7 +4592,7 @@
           <a:p>
             <a:fld id="{B98807D1-4116-499B-9359-5944853DC4E1}" type="datetimeFigureOut">
               <a:rPr lang="ko-KR" altLang="en-US" smtClean="0"/>
-              <a:t>2019-06-03</a:t>
+              <a:t>2019-06-07</a:t>
             </a:fld>
             <a:endParaRPr lang="ko-KR" altLang="en-US"/>
           </a:p>
@@ -5012,7 +4998,7 @@
           <a:p>
             <a:fld id="{B98807D1-4116-499B-9359-5944853DC4E1}" type="datetimeFigureOut">
               <a:rPr lang="ko-KR" altLang="en-US" smtClean="0"/>
-              <a:t>2019-06-03</a:t>
+              <a:t>2019-06-07</a:t>
             </a:fld>
             <a:endParaRPr lang="ko-KR" altLang="en-US"/>
           </a:p>
@@ -6110,7 +6096,7 @@
         </p:nvSpPr>
         <p:spPr>
           <a:xfrm>
-            <a:off x="7270376" y="1246094"/>
+            <a:off x="7339297" y="826556"/>
             <a:ext cx="4446495" cy="4141694"/>
           </a:xfrm>
         </p:spPr>
@@ -6134,7 +6120,7 @@
                   <a:schemeClr val="tx1"/>
                 </a:solidFill>
               </a:rPr>
-              <a:t>언어를 이용하여 체계적인 소스 코딩을 직접 해보고 필요성에 대해 공부함</a:t>
+              <a:t>언어를 이해보고 필요성에 대해 공부함</a:t>
             </a:r>
             <a:r>
               <a:rPr lang="en-US" altLang="ko-KR" b="1" i="1" dirty="0">
@@ -6146,7 +6132,7 @@
             </a:r>
           </a:p>
           <a:p>
-            <a:endParaRPr lang="en-US" b="1" i="1" dirty="0">
+            <a:endParaRPr lang="en-US" altLang="ko-KR" b="1" i="1" dirty="0">
               <a:solidFill>
                 <a:schemeClr val="tx1"/>
               </a:solidFill>
@@ -6154,7 +6140,7 @@
           </a:p>
           <a:p>
             <a:r>
-              <a:rPr lang="en-US" b="1" i="1" dirty="0">
+              <a:rPr lang="en-US" altLang="ko-KR" b="1" i="1" dirty="0">
                 <a:solidFill>
                   <a:schemeClr val="tx1"/>
                 </a:solidFill>
@@ -6179,7 +6165,7 @@
             </a:r>
           </a:p>
           <a:p>
-            <a:endParaRPr lang="en-US" b="1" i="1" dirty="0">
+            <a:endParaRPr lang="en-US" altLang="ko-KR" b="1" i="1" dirty="0">
               <a:solidFill>
                 <a:schemeClr val="tx1"/>
               </a:solidFill>
@@ -6192,7 +6178,7 @@
                   <a:schemeClr val="tx1"/>
                 </a:solidFill>
               </a:rPr>
-              <a:t>프로그램을 짤 때에 순서와 조금의 알고리즘이 필요할 것 같아 알고리즘을 배우는데 중점을 두고 있음</a:t>
+              <a:t>프로그램을 짤 때에 순서와 조금의 알고리즘이 필요할 것 같아 알고리즘을 배우는데 중점을 두고 용하여 체계적인 소스 코딩을 직접 있음</a:t>
             </a:r>
             <a:r>
               <a:rPr lang="en-US" altLang="ko-KR" b="1" i="1" dirty="0">
